--- a/src/assets/images/JointVentureSoftwareDevelopment.pptx
+++ b/src/assets/images/JointVentureSoftwareDevelopment.pptx
@@ -21,6 +21,7 @@
     <p:sldId id="266" r:id="rId15"/>
     <p:sldId id="267" r:id="rId16"/>
     <p:sldId id="268" r:id="rId17"/>
+    <p:sldId id="269" r:id="rId18"/>
   </p:sldIdLst>
   <p:sldSz cy="5143500" cx="9144000"/>
   <p:notesSz cx="6858000" cy="9144000"/>
@@ -800,7 +801,7 @@
       </p:grpSpPr>
       <p:sp>
         <p:nvSpPr>
-          <p:cNvPr id="117" name="Google Shape;117;p10:notes"/>
+          <p:cNvPr id="117" name="Google Shape;117;p9:notes"/>
           <p:cNvSpPr txBox="1"/>
           <p:nvPr>
             <p:ph idx="1" type="body"/>
@@ -839,7 +840,7 @@
       </p:sp>
       <p:sp>
         <p:nvSpPr>
-          <p:cNvPr id="118" name="Google Shape;118;p10:notes"/>
+          <p:cNvPr id="118" name="Google Shape;118;p9:notes"/>
           <p:cNvSpPr/>
           <p:nvPr>
             <p:ph idx="2" type="sldImg"/>
@@ -899,42 +900,7 @@
       </p:grpSpPr>
       <p:sp>
         <p:nvSpPr>
-          <p:cNvPr id="121" name="Google Shape;121;g5e250b36a3_0_0:notes"/>
-          <p:cNvSpPr/>
-          <p:nvPr>
-            <p:ph idx="2" type="sldImg"/>
-          </p:nvPr>
-        </p:nvSpPr>
-        <p:spPr>
-          <a:xfrm>
-            <a:off x="1143225" y="685800"/>
-            <a:ext cx="4572300" cy="3429000"/>
-          </a:xfrm>
-          <a:custGeom>
-            <a:rect b="b" l="l" r="r" t="t"/>
-            <a:pathLst>
-              <a:path extrusionOk="0" h="120000" w="120000">
-                <a:moveTo>
-                  <a:pt x="0" y="0"/>
-                </a:moveTo>
-                <a:lnTo>
-                  <a:pt x="120000" y="0"/>
-                </a:lnTo>
-                <a:lnTo>
-                  <a:pt x="120000" y="120000"/>
-                </a:lnTo>
-                <a:lnTo>
-                  <a:pt x="0" y="120000"/>
-                </a:lnTo>
-                <a:close/>
-              </a:path>
-            </a:pathLst>
-          </a:custGeom>
-        </p:spPr>
-      </p:sp>
-      <p:sp>
-        <p:nvSpPr>
-          <p:cNvPr id="122" name="Google Shape;122;g5e250b36a3_0_0:notes"/>
+          <p:cNvPr id="121" name="Google Shape;121;p10:notes"/>
           <p:cNvSpPr txBox="1"/>
           <p:nvPr>
             <p:ph idx="1" type="body"/>
@@ -971,73 +937,9 @@
           </a:p>
         </p:txBody>
       </p:sp>
-    </p:spTree>
-  </p:cSld>
-  <p:clrMapOvr>
-    <a:masterClrMapping/>
-  </p:clrMapOvr>
-</p:notes>
-</file>
-
-<file path=ppt/notesSlides/notesSlide12.xml><?xml version="1.0" encoding="utf-8"?>
-<p:notes xmlns:a="http://schemas.openxmlformats.org/drawingml/2006/main" xmlns:r="http://schemas.openxmlformats.org/officeDocument/2006/relationships" xmlns:mc="http://schemas.openxmlformats.org/markup-compatibility/2006" xmlns:mv="urn:schemas-microsoft-com:mac:vml" xmlns:p="http://schemas.openxmlformats.org/presentationml/2006/main" xmlns:c="http://schemas.openxmlformats.org/drawingml/2006/chart" xmlns:dgm="http://schemas.openxmlformats.org/drawingml/2006/diagram" xmlns:o="urn:schemas-microsoft-com:office:office" xmlns:v="urn:schemas-microsoft-com:vml" xmlns:pvml="urn:schemas-microsoft-com:office:powerpoint" xmlns:com="http://schemas.openxmlformats.org/drawingml/2006/compatibility" xmlns:p14="http://schemas.microsoft.com/office/powerpoint/2010/main" xmlns:p15="http://schemas.microsoft.com/office/powerpoint/2012/main" showMasterPhAnim="0" showMasterSp="0">
-  <p:cSld>
-    <p:spTree>
-      <p:nvGrpSpPr>
-        <p:cNvPr id="124" name="Shape 124"/>
-        <p:cNvGrpSpPr/>
-        <p:nvPr/>
-      </p:nvGrpSpPr>
-      <p:grpSpPr>
-        <a:xfrm>
-          <a:off x="0" y="0"/>
-          <a:ext cx="0" cy="0"/>
-          <a:chOff x="0" y="0"/>
-          <a:chExt cx="0" cy="0"/>
-        </a:xfrm>
-      </p:grpSpPr>
       <p:sp>
         <p:nvSpPr>
-          <p:cNvPr id="125" name="Google Shape;125;p11:notes"/>
-          <p:cNvSpPr txBox="1"/>
-          <p:nvPr>
-            <p:ph idx="1" type="body"/>
-          </p:nvPr>
-        </p:nvSpPr>
-        <p:spPr>
-          <a:xfrm>
-            <a:off x="685800" y="4343400"/>
-            <a:ext cx="5486400" cy="4114800"/>
-          </a:xfrm>
-          <a:prstGeom prst="rect">
-            <a:avLst/>
-          </a:prstGeom>
-        </p:spPr>
-        <p:txBody>
-          <a:bodyPr anchorCtr="0" anchor="t" bIns="91425" lIns="91425" spcFirstLastPara="1" rIns="91425" wrap="square" tIns="91425">
-            <a:noAutofit/>
-          </a:bodyPr>
-          <a:lstStyle/>
-          <a:p>
-            <a:pPr indent="0" lvl="0" marL="0" rtl="0" algn="l">
-              <a:spcBef>
-                <a:spcPts val="0"/>
-              </a:spcBef>
-              <a:spcAft>
-                <a:spcPts val="0"/>
-              </a:spcAft>
-              <a:buNone/>
-            </a:pPr>
-            <a:r>
-              <a:t/>
-            </a:r>
-            <a:endParaRPr/>
-          </a:p>
-        </p:txBody>
-      </p:sp>
-      <p:sp>
-        <p:nvSpPr>
-          <p:cNvPr id="126" name="Google Shape;126;p11:notes"/>
+          <p:cNvPr id="122" name="Google Shape;122;p10:notes"/>
           <p:cNvSpPr/>
           <p:nvPr>
             <p:ph idx="2" type="sldImg"/>
@@ -1078,12 +980,12 @@
 </p:notes>
 </file>
 
-<file path=ppt/notesSlides/notesSlide13.xml><?xml version="1.0" encoding="utf-8"?>
+<file path=ppt/notesSlides/notesSlide12.xml><?xml version="1.0" encoding="utf-8"?>
 <p:notes xmlns:a="http://schemas.openxmlformats.org/drawingml/2006/main" xmlns:r="http://schemas.openxmlformats.org/officeDocument/2006/relationships" xmlns:mc="http://schemas.openxmlformats.org/markup-compatibility/2006" xmlns:mv="urn:schemas-microsoft-com:mac:vml" xmlns:p="http://schemas.openxmlformats.org/presentationml/2006/main" xmlns:c="http://schemas.openxmlformats.org/drawingml/2006/chart" xmlns:dgm="http://schemas.openxmlformats.org/drawingml/2006/diagram" xmlns:o="urn:schemas-microsoft-com:office:office" xmlns:v="urn:schemas-microsoft-com:vml" xmlns:pvml="urn:schemas-microsoft-com:office:powerpoint" xmlns:com="http://schemas.openxmlformats.org/drawingml/2006/compatibility" xmlns:p14="http://schemas.microsoft.com/office/powerpoint/2010/main" xmlns:p15="http://schemas.microsoft.com/office/powerpoint/2012/main" showMasterPhAnim="0" showMasterSp="0">
   <p:cSld>
     <p:spTree>
       <p:nvGrpSpPr>
-        <p:cNvPr id="128" name="Shape 128"/>
+        <p:cNvPr id="124" name="Shape 124"/>
         <p:cNvGrpSpPr/>
         <p:nvPr/>
       </p:nvGrpSpPr>
@@ -1097,7 +999,42 @@
       </p:grpSpPr>
       <p:sp>
         <p:nvSpPr>
-          <p:cNvPr id="129" name="Google Shape;129;p12:notes"/>
+          <p:cNvPr id="125" name="Google Shape;125;g5e250b36a3_0_0:notes"/>
+          <p:cNvSpPr/>
+          <p:nvPr>
+            <p:ph idx="2" type="sldImg"/>
+          </p:nvPr>
+        </p:nvSpPr>
+        <p:spPr>
+          <a:xfrm>
+            <a:off x="1143225" y="685800"/>
+            <a:ext cx="4572300" cy="3429000"/>
+          </a:xfrm>
+          <a:custGeom>
+            <a:rect b="b" l="l" r="r" t="t"/>
+            <a:pathLst>
+              <a:path extrusionOk="0" h="120000" w="120000">
+                <a:moveTo>
+                  <a:pt x="0" y="0"/>
+                </a:moveTo>
+                <a:lnTo>
+                  <a:pt x="120000" y="0"/>
+                </a:lnTo>
+                <a:lnTo>
+                  <a:pt x="120000" y="120000"/>
+                </a:lnTo>
+                <a:lnTo>
+                  <a:pt x="0" y="120000"/>
+                </a:lnTo>
+                <a:close/>
+              </a:path>
+            </a:pathLst>
+          </a:custGeom>
+        </p:spPr>
+      </p:sp>
+      <p:sp>
+        <p:nvSpPr>
+          <p:cNvPr id="126" name="Google Shape;126;g5e250b36a3_0_0:notes"/>
           <p:cNvSpPr txBox="1"/>
           <p:nvPr>
             <p:ph idx="1" type="body"/>
@@ -1134,9 +1071,172 @@
           </a:p>
         </p:txBody>
       </p:sp>
+    </p:spTree>
+  </p:cSld>
+  <p:clrMapOvr>
+    <a:masterClrMapping/>
+  </p:clrMapOvr>
+</p:notes>
+</file>
+
+<file path=ppt/notesSlides/notesSlide13.xml><?xml version="1.0" encoding="utf-8"?>
+<p:notes xmlns:a="http://schemas.openxmlformats.org/drawingml/2006/main" xmlns:r="http://schemas.openxmlformats.org/officeDocument/2006/relationships" xmlns:mc="http://schemas.openxmlformats.org/markup-compatibility/2006" xmlns:mv="urn:schemas-microsoft-com:mac:vml" xmlns:p="http://schemas.openxmlformats.org/presentationml/2006/main" xmlns:c="http://schemas.openxmlformats.org/drawingml/2006/chart" xmlns:dgm="http://schemas.openxmlformats.org/drawingml/2006/diagram" xmlns:o="urn:schemas-microsoft-com:office:office" xmlns:v="urn:schemas-microsoft-com:vml" xmlns:pvml="urn:schemas-microsoft-com:office:powerpoint" xmlns:com="http://schemas.openxmlformats.org/drawingml/2006/compatibility" xmlns:p14="http://schemas.microsoft.com/office/powerpoint/2010/main" xmlns:p15="http://schemas.microsoft.com/office/powerpoint/2012/main" showMasterPhAnim="0" showMasterSp="0">
+  <p:cSld>
+    <p:spTree>
+      <p:nvGrpSpPr>
+        <p:cNvPr id="128" name="Shape 128"/>
+        <p:cNvGrpSpPr/>
+        <p:nvPr/>
+      </p:nvGrpSpPr>
+      <p:grpSpPr>
+        <a:xfrm>
+          <a:off x="0" y="0"/>
+          <a:ext cx="0" cy="0"/>
+          <a:chOff x="0" y="0"/>
+          <a:chExt cx="0" cy="0"/>
+        </a:xfrm>
+      </p:grpSpPr>
       <p:sp>
         <p:nvSpPr>
-          <p:cNvPr id="130" name="Google Shape;130;p12:notes"/>
+          <p:cNvPr id="129" name="Google Shape;129;p11:notes"/>
+          <p:cNvSpPr txBox="1"/>
+          <p:nvPr>
+            <p:ph idx="1" type="body"/>
+          </p:nvPr>
+        </p:nvSpPr>
+        <p:spPr>
+          <a:xfrm>
+            <a:off x="685800" y="4343400"/>
+            <a:ext cx="5486400" cy="4114800"/>
+          </a:xfrm>
+          <a:prstGeom prst="rect">
+            <a:avLst/>
+          </a:prstGeom>
+        </p:spPr>
+        <p:txBody>
+          <a:bodyPr anchorCtr="0" anchor="t" bIns="91425" lIns="91425" spcFirstLastPara="1" rIns="91425" wrap="square" tIns="91425">
+            <a:noAutofit/>
+          </a:bodyPr>
+          <a:lstStyle/>
+          <a:p>
+            <a:pPr indent="0" lvl="0" marL="0" rtl="0" algn="l">
+              <a:spcBef>
+                <a:spcPts val="0"/>
+              </a:spcBef>
+              <a:spcAft>
+                <a:spcPts val="0"/>
+              </a:spcAft>
+              <a:buNone/>
+            </a:pPr>
+            <a:r>
+              <a:t/>
+            </a:r>
+            <a:endParaRPr/>
+          </a:p>
+        </p:txBody>
+      </p:sp>
+      <p:sp>
+        <p:nvSpPr>
+          <p:cNvPr id="130" name="Google Shape;130;p11:notes"/>
+          <p:cNvSpPr/>
+          <p:nvPr>
+            <p:ph idx="2" type="sldImg"/>
+          </p:nvPr>
+        </p:nvSpPr>
+        <p:spPr>
+          <a:xfrm>
+            <a:off x="1143225" y="685800"/>
+            <a:ext cx="4572225" cy="3429000"/>
+          </a:xfrm>
+          <a:custGeom>
+            <a:rect b="b" l="l" r="r" t="t"/>
+            <a:pathLst>
+              <a:path extrusionOk="0" h="120000" w="120000">
+                <a:moveTo>
+                  <a:pt x="0" y="0"/>
+                </a:moveTo>
+                <a:lnTo>
+                  <a:pt x="120000" y="0"/>
+                </a:lnTo>
+                <a:lnTo>
+                  <a:pt x="120000" y="120000"/>
+                </a:lnTo>
+                <a:lnTo>
+                  <a:pt x="0" y="120000"/>
+                </a:lnTo>
+                <a:close/>
+              </a:path>
+            </a:pathLst>
+          </a:custGeom>
+        </p:spPr>
+      </p:sp>
+    </p:spTree>
+  </p:cSld>
+  <p:clrMapOvr>
+    <a:masterClrMapping/>
+  </p:clrMapOvr>
+</p:notes>
+</file>
+
+<file path=ppt/notesSlides/notesSlide14.xml><?xml version="1.0" encoding="utf-8"?>
+<p:notes xmlns:a="http://schemas.openxmlformats.org/drawingml/2006/main" xmlns:r="http://schemas.openxmlformats.org/officeDocument/2006/relationships" xmlns:mc="http://schemas.openxmlformats.org/markup-compatibility/2006" xmlns:mv="urn:schemas-microsoft-com:mac:vml" xmlns:p="http://schemas.openxmlformats.org/presentationml/2006/main" xmlns:c="http://schemas.openxmlformats.org/drawingml/2006/chart" xmlns:dgm="http://schemas.openxmlformats.org/drawingml/2006/diagram" xmlns:o="urn:schemas-microsoft-com:office:office" xmlns:v="urn:schemas-microsoft-com:vml" xmlns:pvml="urn:schemas-microsoft-com:office:powerpoint" xmlns:com="http://schemas.openxmlformats.org/drawingml/2006/compatibility" xmlns:p14="http://schemas.microsoft.com/office/powerpoint/2010/main" xmlns:p15="http://schemas.microsoft.com/office/powerpoint/2012/main" showMasterPhAnim="0" showMasterSp="0">
+  <p:cSld>
+    <p:spTree>
+      <p:nvGrpSpPr>
+        <p:cNvPr id="132" name="Shape 132"/>
+        <p:cNvGrpSpPr/>
+        <p:nvPr/>
+      </p:nvGrpSpPr>
+      <p:grpSpPr>
+        <a:xfrm>
+          <a:off x="0" y="0"/>
+          <a:ext cx="0" cy="0"/>
+          <a:chOff x="0" y="0"/>
+          <a:chExt cx="0" cy="0"/>
+        </a:xfrm>
+      </p:grpSpPr>
+      <p:sp>
+        <p:nvSpPr>
+          <p:cNvPr id="133" name="Google Shape;133;p12:notes"/>
+          <p:cNvSpPr txBox="1"/>
+          <p:nvPr>
+            <p:ph idx="1" type="body"/>
+          </p:nvPr>
+        </p:nvSpPr>
+        <p:spPr>
+          <a:xfrm>
+            <a:off x="685800" y="4343400"/>
+            <a:ext cx="5486400" cy="4114800"/>
+          </a:xfrm>
+          <a:prstGeom prst="rect">
+            <a:avLst/>
+          </a:prstGeom>
+        </p:spPr>
+        <p:txBody>
+          <a:bodyPr anchorCtr="0" anchor="t" bIns="91425" lIns="91425" spcFirstLastPara="1" rIns="91425" wrap="square" tIns="91425">
+            <a:noAutofit/>
+          </a:bodyPr>
+          <a:lstStyle/>
+          <a:p>
+            <a:pPr indent="0" lvl="0" marL="0" rtl="0" algn="l">
+              <a:spcBef>
+                <a:spcPts val="0"/>
+              </a:spcBef>
+              <a:spcAft>
+                <a:spcPts val="0"/>
+              </a:spcAft>
+              <a:buNone/>
+            </a:pPr>
+            <a:r>
+              <a:t/>
+            </a:r>
+            <a:endParaRPr/>
+          </a:p>
+        </p:txBody>
+      </p:sp>
+      <p:sp>
+        <p:nvSpPr>
+          <p:cNvPr id="134" name="Google Shape;134;p12:notes"/>
           <p:cNvSpPr/>
           <p:nvPr>
             <p:ph idx="2" type="sldImg"/>
@@ -1394,46 +1494,7 @@
       </p:grpSpPr>
       <p:sp>
         <p:nvSpPr>
-          <p:cNvPr id="93" name="Google Shape;93;p4:notes"/>
-          <p:cNvSpPr txBox="1"/>
-          <p:nvPr>
-            <p:ph idx="1" type="body"/>
-          </p:nvPr>
-        </p:nvSpPr>
-        <p:spPr>
-          <a:xfrm>
-            <a:off x="685800" y="4343400"/>
-            <a:ext cx="5486400" cy="4114800"/>
-          </a:xfrm>
-          <a:prstGeom prst="rect">
-            <a:avLst/>
-          </a:prstGeom>
-        </p:spPr>
-        <p:txBody>
-          <a:bodyPr anchorCtr="0" anchor="t" bIns="91425" lIns="91425" spcFirstLastPara="1" rIns="91425" wrap="square" tIns="91425">
-            <a:noAutofit/>
-          </a:bodyPr>
-          <a:lstStyle/>
-          <a:p>
-            <a:pPr indent="0" lvl="0" marL="0" rtl="0" algn="l">
-              <a:spcBef>
-                <a:spcPts val="0"/>
-              </a:spcBef>
-              <a:spcAft>
-                <a:spcPts val="0"/>
-              </a:spcAft>
-              <a:buNone/>
-            </a:pPr>
-            <a:r>
-              <a:t/>
-            </a:r>
-            <a:endParaRPr/>
-          </a:p>
-        </p:txBody>
-      </p:sp>
-      <p:sp>
-        <p:nvSpPr>
-          <p:cNvPr id="94" name="Google Shape;94;p4:notes"/>
+          <p:cNvPr id="93" name="Google Shape;93;g60f29ac96f_0_0:notes"/>
           <p:cNvSpPr/>
           <p:nvPr>
             <p:ph idx="2" type="sldImg"/>
@@ -1442,7 +1503,7 @@
         <p:spPr>
           <a:xfrm>
             <a:off x="1143225" y="685800"/>
-            <a:ext cx="4572225" cy="3429000"/>
+            <a:ext cx="4572300" cy="3429000"/>
           </a:xfrm>
           <a:custGeom>
             <a:rect b="b" l="l" r="r" t="t"/>
@@ -1465,6 +1526,45 @@
             </a:pathLst>
           </a:custGeom>
         </p:spPr>
+      </p:sp>
+      <p:sp>
+        <p:nvSpPr>
+          <p:cNvPr id="94" name="Google Shape;94;g60f29ac96f_0_0:notes"/>
+          <p:cNvSpPr txBox="1"/>
+          <p:nvPr>
+            <p:ph idx="1" type="body"/>
+          </p:nvPr>
+        </p:nvSpPr>
+        <p:spPr>
+          <a:xfrm>
+            <a:off x="685800" y="4343400"/>
+            <a:ext cx="5486400" cy="4114800"/>
+          </a:xfrm>
+          <a:prstGeom prst="rect">
+            <a:avLst/>
+          </a:prstGeom>
+        </p:spPr>
+        <p:txBody>
+          <a:bodyPr anchorCtr="0" anchor="t" bIns="91425" lIns="91425" spcFirstLastPara="1" rIns="91425" wrap="square" tIns="91425">
+            <a:noAutofit/>
+          </a:bodyPr>
+          <a:lstStyle/>
+          <a:p>
+            <a:pPr indent="0" lvl="0" marL="0" rtl="0" algn="l">
+              <a:spcBef>
+                <a:spcPts val="0"/>
+              </a:spcBef>
+              <a:spcAft>
+                <a:spcPts val="0"/>
+              </a:spcAft>
+              <a:buNone/>
+            </a:pPr>
+            <a:r>
+              <a:t/>
+            </a:r>
+            <a:endParaRPr/>
+          </a:p>
+        </p:txBody>
       </p:sp>
     </p:spTree>
   </p:cSld>
@@ -1493,7 +1593,7 @@
       </p:grpSpPr>
       <p:sp>
         <p:nvSpPr>
-          <p:cNvPr id="97" name="Google Shape;97;p5:notes"/>
+          <p:cNvPr id="97" name="Google Shape;97;p4:notes"/>
           <p:cNvSpPr txBox="1"/>
           <p:nvPr>
             <p:ph idx="1" type="body"/>
@@ -1532,7 +1632,7 @@
       </p:sp>
       <p:sp>
         <p:nvSpPr>
-          <p:cNvPr id="98" name="Google Shape;98;p5:notes"/>
+          <p:cNvPr id="98" name="Google Shape;98;p4:notes"/>
           <p:cNvSpPr/>
           <p:nvPr>
             <p:ph idx="2" type="sldImg"/>
@@ -1592,7 +1692,7 @@
       </p:grpSpPr>
       <p:sp>
         <p:nvSpPr>
-          <p:cNvPr id="101" name="Google Shape;101;p6:notes"/>
+          <p:cNvPr id="101" name="Google Shape;101;p5:notes"/>
           <p:cNvSpPr txBox="1"/>
           <p:nvPr>
             <p:ph idx="1" type="body"/>
@@ -1631,7 +1731,7 @@
       </p:sp>
       <p:sp>
         <p:nvSpPr>
-          <p:cNvPr id="102" name="Google Shape;102;p6:notes"/>
+          <p:cNvPr id="102" name="Google Shape;102;p5:notes"/>
           <p:cNvSpPr/>
           <p:nvPr>
             <p:ph idx="2" type="sldImg"/>
@@ -1691,7 +1791,7 @@
       </p:grpSpPr>
       <p:sp>
         <p:nvSpPr>
-          <p:cNvPr id="105" name="Google Shape;105;p7:notes"/>
+          <p:cNvPr id="105" name="Google Shape;105;p6:notes"/>
           <p:cNvSpPr txBox="1"/>
           <p:nvPr>
             <p:ph idx="1" type="body"/>
@@ -1730,7 +1830,7 @@
       </p:sp>
       <p:sp>
         <p:nvSpPr>
-          <p:cNvPr id="106" name="Google Shape;106;p7:notes"/>
+          <p:cNvPr id="106" name="Google Shape;106;p6:notes"/>
           <p:cNvSpPr/>
           <p:nvPr>
             <p:ph idx="2" type="sldImg"/>
@@ -1790,7 +1890,7 @@
       </p:grpSpPr>
       <p:sp>
         <p:nvSpPr>
-          <p:cNvPr id="109" name="Google Shape;109;p8:notes"/>
+          <p:cNvPr id="109" name="Google Shape;109;p7:notes"/>
           <p:cNvSpPr txBox="1"/>
           <p:nvPr>
             <p:ph idx="1" type="body"/>
@@ -1829,7 +1929,7 @@
       </p:sp>
       <p:sp>
         <p:nvSpPr>
-          <p:cNvPr id="110" name="Google Shape;110;p8:notes"/>
+          <p:cNvPr id="110" name="Google Shape;110;p7:notes"/>
           <p:cNvSpPr/>
           <p:nvPr>
             <p:ph idx="2" type="sldImg"/>
@@ -1889,7 +1989,7 @@
       </p:grpSpPr>
       <p:sp>
         <p:nvSpPr>
-          <p:cNvPr id="113" name="Google Shape;113;p9:notes"/>
+          <p:cNvPr id="113" name="Google Shape;113;p8:notes"/>
           <p:cNvSpPr txBox="1"/>
           <p:nvPr>
             <p:ph idx="1" type="body"/>
@@ -1928,7 +2028,7 @@
       </p:sp>
       <p:sp>
         <p:nvSpPr>
-          <p:cNvPr id="114" name="Google Shape;114;p9:notes"/>
+          <p:cNvPr id="114" name="Google Shape;114;p8:notes"/>
           <p:cNvSpPr/>
           <p:nvPr>
             <p:ph idx="2" type="sldImg"/>
@@ -11965,6 +12065,43 @@
 </p:sld>
 </file>
 
+<file path=ppt/slides/slide14.xml><?xml version="1.0" encoding="utf-8"?>
+<p:sld xmlns:a="http://schemas.openxmlformats.org/drawingml/2006/main" xmlns:r="http://schemas.openxmlformats.org/officeDocument/2006/relationships" xmlns:mc="http://schemas.openxmlformats.org/markup-compatibility/2006" xmlns:mv="urn:schemas-microsoft-com:mac:vml" xmlns:p="http://schemas.openxmlformats.org/presentationml/2006/main" xmlns:c="http://schemas.openxmlformats.org/drawingml/2006/chart" xmlns:dgm="http://schemas.openxmlformats.org/drawingml/2006/diagram" xmlns:o="urn:schemas-microsoft-com:office:office" xmlns:v="urn:schemas-microsoft-com:vml" xmlns:pvml="urn:schemas-microsoft-com:office:powerpoint" xmlns:com="http://schemas.openxmlformats.org/drawingml/2006/compatibility" xmlns:p14="http://schemas.microsoft.com/office/powerpoint/2010/main" xmlns:p15="http://schemas.microsoft.com/office/powerpoint/2012/main">
+  <p:cSld>
+    <p:bg>
+      <p:bgPr>
+        <a:blipFill>
+          <a:blip r:embed="rId3">
+            <a:alphaModFix/>
+          </a:blip>
+          <a:stretch>
+            <a:fillRect/>
+          </a:stretch>
+        </a:blipFill>
+      </p:bgPr>
+    </p:bg>
+    <p:spTree>
+      <p:nvGrpSpPr>
+        <p:cNvPr id="135" name="Shape 135"/>
+        <p:cNvGrpSpPr/>
+        <p:nvPr/>
+      </p:nvGrpSpPr>
+      <p:grpSpPr>
+        <a:xfrm>
+          <a:off x="0" y="0"/>
+          <a:ext cx="0" cy="0"/>
+          <a:chOff x="0" y="0"/>
+          <a:chExt cx="0" cy="0"/>
+        </a:xfrm>
+      </p:grpSpPr>
+    </p:spTree>
+  </p:cSld>
+  <p:clrMapOvr>
+    <a:masterClrMapping/>
+  </p:clrMapOvr>
+</p:sld>
+</file>
+
 <file path=ppt/slides/slide2.xml><?xml version="1.0" encoding="utf-8"?>
 <p:sld xmlns:a="http://schemas.openxmlformats.org/drawingml/2006/main" xmlns:r="http://schemas.openxmlformats.org/officeDocument/2006/relationships" xmlns:mc="http://schemas.openxmlformats.org/markup-compatibility/2006" xmlns:mv="urn:schemas-microsoft-com:mac:vml" xmlns:p="http://schemas.openxmlformats.org/presentationml/2006/main" xmlns:c="http://schemas.openxmlformats.org/drawingml/2006/chart" xmlns:dgm="http://schemas.openxmlformats.org/drawingml/2006/diagram" xmlns:o="urn:schemas-microsoft-com:office:office" xmlns:v="urn:schemas-microsoft-com:vml" xmlns:pvml="urn:schemas-microsoft-com:office:powerpoint" xmlns:com="http://schemas.openxmlformats.org/drawingml/2006/compatibility" xmlns:p14="http://schemas.microsoft.com/office/powerpoint/2010/main" xmlns:p15="http://schemas.microsoft.com/office/powerpoint/2012/main">
   <p:cSld>
